--- a/experiment/misc/instruction_visuals.pptx
+++ b/experiment/misc/instruction_visuals.pptx
@@ -5,7 +5,7 @@
     <p:sldMasterId id="2147483648" r:id="rId1"/>
   </p:sldMasterIdLst>
   <p:notesMasterIdLst>
-    <p:notesMasterId r:id="rId15"/>
+    <p:notesMasterId r:id="rId11"/>
   </p:notesMasterIdLst>
   <p:sldIdLst>
     <p:sldId id="256" r:id="rId2"/>
@@ -16,11 +16,7 @@
     <p:sldId id="312" r:id="rId7"/>
     <p:sldId id="311" r:id="rId8"/>
     <p:sldId id="313" r:id="rId9"/>
-    <p:sldId id="301" r:id="rId10"/>
-    <p:sldId id="302" r:id="rId11"/>
-    <p:sldId id="303" r:id="rId12"/>
-    <p:sldId id="304" r:id="rId13"/>
-    <p:sldId id="305" r:id="rId14"/>
+    <p:sldId id="314" r:id="rId10"/>
   </p:sldIdLst>
   <p:sldSz cx="13004800" cy="9753600"/>
   <p:notesSz cx="6858000" cy="9144000"/>
@@ -690,143 +686,6 @@
 
 <file path=ppt/slideLayouts/slideLayout10.xml><?xml version="1.0" encoding="utf-8"?>
 <p:sldLayout xmlns:a="http://schemas.openxmlformats.org/drawingml/2006/main" xmlns:r="http://schemas.openxmlformats.org/officeDocument/2006/relationships" xmlns:p="http://schemas.openxmlformats.org/presentationml/2006/main" type="tx">
-  <p:cSld name="Quote">
-    <p:spTree>
-      <p:nvGrpSpPr>
-        <p:cNvPr id="1" name=""/>
-        <p:cNvGrpSpPr/>
-        <p:nvPr/>
-      </p:nvGrpSpPr>
-      <p:grpSpPr>
-        <a:xfrm>
-          <a:off x="0" y="0"/>
-          <a:ext cx="0" cy="0"/>
-          <a:chOff x="0" y="0"/>
-          <a:chExt cx="0" cy="0"/>
-        </a:xfrm>
-      </p:grpSpPr>
-      <p:sp>
-        <p:nvSpPr>
-          <p:cNvPr id="93" name="–Johnny Appleseed"/>
-          <p:cNvSpPr txBox="1">
-            <a:spLocks noGrp="1"/>
-          </p:cNvSpPr>
-          <p:nvPr>
-            <p:ph type="body" sz="quarter" idx="13"/>
-          </p:nvPr>
-        </p:nvSpPr>
-        <p:spPr>
-          <a:xfrm>
-            <a:off x="1270000" y="6362700"/>
-            <a:ext cx="10464800" cy="469900"/>
-          </a:xfrm>
-          <a:prstGeom prst="rect">
-            <a:avLst/>
-          </a:prstGeom>
-        </p:spPr>
-        <p:txBody>
-          <a:bodyPr anchor="t">
-            <a:spAutoFit/>
-          </a:bodyPr>
-          <a:lstStyle>
-            <a:lvl1pPr marL="0" indent="0" algn="ctr">
-              <a:spcBef>
-                <a:spcPts val="0"/>
-              </a:spcBef>
-              <a:buSzTx/>
-              <a:buNone/>
-              <a:defRPr sz="2400">
-                <a:latin typeface="Helvetica"/>
-                <a:ea typeface="Helvetica"/>
-                <a:cs typeface="Helvetica"/>
-                <a:sym typeface="Helvetica"/>
-              </a:defRPr>
-            </a:lvl1pPr>
-          </a:lstStyle>
-          <a:p>
-            <a:r>
-              <a:t>–Johnny Appleseed</a:t>
-            </a:r>
-          </a:p>
-        </p:txBody>
-      </p:sp>
-      <p:sp>
-        <p:nvSpPr>
-          <p:cNvPr id="94" name="“Type a quote here.”"/>
-          <p:cNvSpPr txBox="1">
-            <a:spLocks noGrp="1"/>
-          </p:cNvSpPr>
-          <p:nvPr>
-            <p:ph type="body" sz="quarter" idx="14"/>
-          </p:nvPr>
-        </p:nvSpPr>
-        <p:spPr>
-          <a:xfrm>
-            <a:off x="1270000" y="4267200"/>
-            <a:ext cx="10464800" cy="685800"/>
-          </a:xfrm>
-          <a:prstGeom prst="rect">
-            <a:avLst/>
-          </a:prstGeom>
-        </p:spPr>
-        <p:txBody>
-          <a:bodyPr>
-            <a:spAutoFit/>
-          </a:bodyPr>
-          <a:lstStyle>
-            <a:lvl1pPr marL="0" indent="0" algn="ctr">
-              <a:spcBef>
-                <a:spcPts val="0"/>
-              </a:spcBef>
-              <a:buSzTx/>
-              <a:buNone/>
-              <a:defRPr sz="3800"/>
-            </a:lvl1pPr>
-          </a:lstStyle>
-          <a:p>
-            <a:r>
-              <a:t>“Type a quote here.” </a:t>
-            </a:r>
-          </a:p>
-        </p:txBody>
-      </p:sp>
-      <p:sp>
-        <p:nvSpPr>
-          <p:cNvPr id="95" name="Slide Number"/>
-          <p:cNvSpPr txBox="1">
-            <a:spLocks noGrp="1"/>
-          </p:cNvSpPr>
-          <p:nvPr>
-            <p:ph type="sldNum" sz="quarter" idx="2"/>
-          </p:nvPr>
-        </p:nvSpPr>
-        <p:spPr>
-          <a:prstGeom prst="rect">
-            <a:avLst/>
-          </a:prstGeom>
-        </p:spPr>
-        <p:txBody>
-          <a:bodyPr/>
-          <a:lstStyle/>
-          <a:p>
-            <a:fld id="{86CB4B4D-7CA3-9044-876B-883B54F8677D}" type="slidenum">
-              <a:t>‹#›</a:t>
-            </a:fld>
-            <a:endParaRPr/>
-          </a:p>
-        </p:txBody>
-      </p:sp>
-    </p:spTree>
-  </p:cSld>
-  <p:clrMapOvr>
-    <a:masterClrMapping/>
-  </p:clrMapOvr>
-  <p:transition spd="med"/>
-</p:sldLayout>
-</file>
-
-<file path=ppt/slideLayouts/slideLayout11.xml><?xml version="1.0" encoding="utf-8"?>
-<p:sldLayout xmlns:a="http://schemas.openxmlformats.org/drawingml/2006/main" xmlns:r="http://schemas.openxmlformats.org/officeDocument/2006/relationships" xmlns:p="http://schemas.openxmlformats.org/presentationml/2006/main" type="tx">
   <p:cSld name="Photo">
     <p:spTree>
       <p:nvGrpSpPr>
@@ -906,7 +765,7 @@
 </p:sldLayout>
 </file>
 
-<file path=ppt/slideLayouts/slideLayout12.xml><?xml version="1.0" encoding="utf-8"?>
+<file path=ppt/slideLayouts/slideLayout11.xml><?xml version="1.0" encoding="utf-8"?>
 <p:sldLayout xmlns:a="http://schemas.openxmlformats.org/drawingml/2006/main" xmlns:r="http://schemas.openxmlformats.org/officeDocument/2006/relationships" xmlns:p="http://schemas.openxmlformats.org/presentationml/2006/main" type="tx">
   <p:cSld name="Blank">
     <p:spTree>
@@ -960,214 +819,6 @@
 
 <file path=ppt/slideLayouts/slideLayout2.xml><?xml version="1.0" encoding="utf-8"?>
 <p:sldLayout xmlns:a="http://schemas.openxmlformats.org/drawingml/2006/main" xmlns:r="http://schemas.openxmlformats.org/officeDocument/2006/relationships" xmlns:p="http://schemas.openxmlformats.org/presentationml/2006/main" type="tx">
-  <p:cSld name="Photo - Horizontal">
-    <p:spTree>
-      <p:nvGrpSpPr>
-        <p:cNvPr id="1" name=""/>
-        <p:cNvGrpSpPr/>
-        <p:nvPr/>
-      </p:nvGrpSpPr>
-      <p:grpSpPr>
-        <a:xfrm>
-          <a:off x="0" y="0"/>
-          <a:ext cx="0" cy="0"/>
-          <a:chOff x="0" y="0"/>
-          <a:chExt cx="0" cy="0"/>
-        </a:xfrm>
-      </p:grpSpPr>
-      <p:sp>
-        <p:nvSpPr>
-          <p:cNvPr id="20" name="Image"/>
-          <p:cNvSpPr>
-            <a:spLocks noGrp="1"/>
-          </p:cNvSpPr>
-          <p:nvPr>
-            <p:ph type="pic" idx="13"/>
-          </p:nvPr>
-        </p:nvSpPr>
-        <p:spPr>
-          <a:xfrm>
-            <a:off x="1606550" y="635000"/>
-            <a:ext cx="9779000" cy="6522729"/>
-          </a:xfrm>
-          <a:prstGeom prst="rect">
-            <a:avLst/>
-          </a:prstGeom>
-        </p:spPr>
-        <p:txBody>
-          <a:bodyPr lIns="91439" tIns="45719" rIns="91439" bIns="45719" anchor="t">
-            <a:noAutofit/>
-          </a:bodyPr>
-          <a:lstStyle/>
-          <a:p>
-            <a:endParaRPr/>
-          </a:p>
-        </p:txBody>
-      </p:sp>
-      <p:sp>
-        <p:nvSpPr>
-          <p:cNvPr id="21" name="Title Text"/>
-          <p:cNvSpPr txBox="1">
-            <a:spLocks noGrp="1"/>
-          </p:cNvSpPr>
-          <p:nvPr>
-            <p:ph type="title"/>
-          </p:nvPr>
-        </p:nvSpPr>
-        <p:spPr>
-          <a:xfrm>
-            <a:off x="1270000" y="6718300"/>
-            <a:ext cx="10464800" cy="1422400"/>
-          </a:xfrm>
-          <a:prstGeom prst="rect">
-            <a:avLst/>
-          </a:prstGeom>
-        </p:spPr>
-        <p:txBody>
-          <a:bodyPr anchor="b"/>
-          <a:lstStyle/>
-          <a:p>
-            <a:r>
-              <a:t>Title Text</a:t>
-            </a:r>
-          </a:p>
-        </p:txBody>
-      </p:sp>
-      <p:sp>
-        <p:nvSpPr>
-          <p:cNvPr id="22" name="Body Level One…"/>
-          <p:cNvSpPr txBox="1">
-            <a:spLocks noGrp="1"/>
-          </p:cNvSpPr>
-          <p:nvPr>
-            <p:ph type="body" sz="quarter" idx="1"/>
-          </p:nvPr>
-        </p:nvSpPr>
-        <p:spPr>
-          <a:xfrm>
-            <a:off x="1270000" y="8191500"/>
-            <a:ext cx="10464800" cy="1130300"/>
-          </a:xfrm>
-          <a:prstGeom prst="rect">
-            <a:avLst/>
-          </a:prstGeom>
-        </p:spPr>
-        <p:txBody>
-          <a:bodyPr anchor="t"/>
-          <a:lstStyle>
-            <a:lvl1pPr marL="0" indent="0" algn="ctr">
-              <a:spcBef>
-                <a:spcPts val="0"/>
-              </a:spcBef>
-              <a:buSzTx/>
-              <a:buNone/>
-              <a:defRPr sz="3200"/>
-            </a:lvl1pPr>
-            <a:lvl2pPr marL="0" indent="228600" algn="ctr">
-              <a:spcBef>
-                <a:spcPts val="0"/>
-              </a:spcBef>
-              <a:buSzTx/>
-              <a:buNone/>
-              <a:defRPr sz="3200"/>
-            </a:lvl2pPr>
-            <a:lvl3pPr marL="0" indent="457200" algn="ctr">
-              <a:spcBef>
-                <a:spcPts val="0"/>
-              </a:spcBef>
-              <a:buSzTx/>
-              <a:buNone/>
-              <a:defRPr sz="3200"/>
-            </a:lvl3pPr>
-            <a:lvl4pPr marL="0" indent="685800" algn="ctr">
-              <a:spcBef>
-                <a:spcPts val="0"/>
-              </a:spcBef>
-              <a:buSzTx/>
-              <a:buNone/>
-              <a:defRPr sz="3200"/>
-            </a:lvl4pPr>
-            <a:lvl5pPr marL="0" indent="914400" algn="ctr">
-              <a:spcBef>
-                <a:spcPts val="0"/>
-              </a:spcBef>
-              <a:buSzTx/>
-              <a:buNone/>
-              <a:defRPr sz="3200"/>
-            </a:lvl5pPr>
-          </a:lstStyle>
-          <a:p>
-            <a:r>
-              <a:t>Body Level One</a:t>
-            </a:r>
-          </a:p>
-          <a:p>
-            <a:pPr lvl="1"/>
-            <a:r>
-              <a:t>Body Level Two</a:t>
-            </a:r>
-          </a:p>
-          <a:p>
-            <a:pPr lvl="2"/>
-            <a:r>
-              <a:t>Body Level Three</a:t>
-            </a:r>
-          </a:p>
-          <a:p>
-            <a:pPr lvl="3"/>
-            <a:r>
-              <a:t>Body Level Four</a:t>
-            </a:r>
-          </a:p>
-          <a:p>
-            <a:pPr lvl="4"/>
-            <a:r>
-              <a:t>Body Level Five</a:t>
-            </a:r>
-          </a:p>
-        </p:txBody>
-      </p:sp>
-      <p:sp>
-        <p:nvSpPr>
-          <p:cNvPr id="23" name="Slide Number"/>
-          <p:cNvSpPr txBox="1">
-            <a:spLocks noGrp="1"/>
-          </p:cNvSpPr>
-          <p:nvPr>
-            <p:ph type="sldNum" sz="quarter" idx="2"/>
-          </p:nvPr>
-        </p:nvSpPr>
-        <p:spPr>
-          <a:xfrm>
-            <a:off x="6311798" y="9245600"/>
-            <a:ext cx="368504" cy="381000"/>
-          </a:xfrm>
-          <a:prstGeom prst="rect">
-            <a:avLst/>
-          </a:prstGeom>
-        </p:spPr>
-        <p:txBody>
-          <a:bodyPr/>
-          <a:lstStyle/>
-          <a:p>
-            <a:fld id="{86CB4B4D-7CA3-9044-876B-883B54F8677D}" type="slidenum">
-              <a:t>‹#›</a:t>
-            </a:fld>
-            <a:endParaRPr/>
-          </a:p>
-        </p:txBody>
-      </p:sp>
-    </p:spTree>
-  </p:cSld>
-  <p:clrMapOvr>
-    <a:masterClrMapping/>
-  </p:clrMapOvr>
-  <p:transition spd="med"/>
-</p:sldLayout>
-</file>
-
-<file path=ppt/slideLayouts/slideLayout3.xml><?xml version="1.0" encoding="utf-8"?>
-<p:sldLayout xmlns:a="http://schemas.openxmlformats.org/drawingml/2006/main" xmlns:r="http://schemas.openxmlformats.org/officeDocument/2006/relationships" xmlns:p="http://schemas.openxmlformats.org/presentationml/2006/main" type="tx">
   <p:cSld name="Title - Center">
     <p:spTree>
       <p:nvGrpSpPr>
@@ -1247,7 +898,7 @@
 </p:sldLayout>
 </file>
 
-<file path=ppt/slideLayouts/slideLayout4.xml><?xml version="1.0" encoding="utf-8"?>
+<file path=ppt/slideLayouts/slideLayout3.xml><?xml version="1.0" encoding="utf-8"?>
 <p:sldLayout xmlns:a="http://schemas.openxmlformats.org/drawingml/2006/main" xmlns:r="http://schemas.openxmlformats.org/officeDocument/2006/relationships" xmlns:p="http://schemas.openxmlformats.org/presentationml/2006/main" type="tx">
   <p:cSld name="Photo - Vertical">
     <p:spTree>
@@ -1455,7 +1106,7 @@
 </p:sldLayout>
 </file>
 
-<file path=ppt/slideLayouts/slideLayout5.xml><?xml version="1.0" encoding="utf-8"?>
+<file path=ppt/slideLayouts/slideLayout4.xml><?xml version="1.0" encoding="utf-8"?>
 <p:sldLayout xmlns:a="http://schemas.openxmlformats.org/drawingml/2006/main" xmlns:r="http://schemas.openxmlformats.org/officeDocument/2006/relationships" xmlns:p="http://schemas.openxmlformats.org/presentationml/2006/main" type="tx">
   <p:cSld name="Title - Top">
     <p:spTree>
@@ -1532,7 +1183,7 @@
 </p:sldLayout>
 </file>
 
-<file path=ppt/slideLayouts/slideLayout6.xml><?xml version="1.0" encoding="utf-8"?>
+<file path=ppt/slideLayouts/slideLayout5.xml><?xml version="1.0" encoding="utf-8"?>
 <p:sldLayout xmlns:a="http://schemas.openxmlformats.org/drawingml/2006/main" xmlns:r="http://schemas.openxmlformats.org/officeDocument/2006/relationships" xmlns:p="http://schemas.openxmlformats.org/presentationml/2006/main" type="tx">
   <p:cSld name="Title &amp; Bullets">
     <p:spTree>
@@ -1658,7 +1309,7 @@
 </p:sldLayout>
 </file>
 
-<file path=ppt/slideLayouts/slideLayout7.xml><?xml version="1.0" encoding="utf-8"?>
+<file path=ppt/slideLayouts/slideLayout6.xml><?xml version="1.0" encoding="utf-8"?>
 <p:sldLayout xmlns:a="http://schemas.openxmlformats.org/drawingml/2006/main" xmlns:r="http://schemas.openxmlformats.org/officeDocument/2006/relationships" xmlns:p="http://schemas.openxmlformats.org/presentationml/2006/main" type="tx">
   <p:cSld name="Title, Bullets &amp; Photo">
     <p:spTree>
@@ -1848,7 +1499,7 @@
 </p:sldLayout>
 </file>
 
-<file path=ppt/slideLayouts/slideLayout8.xml><?xml version="1.0" encoding="utf-8"?>
+<file path=ppt/slideLayouts/slideLayout7.xml><?xml version="1.0" encoding="utf-8"?>
 <p:sldLayout xmlns:a="http://schemas.openxmlformats.org/drawingml/2006/main" xmlns:r="http://schemas.openxmlformats.org/officeDocument/2006/relationships" xmlns:p="http://schemas.openxmlformats.org/presentationml/2006/main" type="tx">
   <p:cSld name="Bullets">
     <p:spTree>
@@ -1953,7 +1604,7 @@
 </p:sldLayout>
 </file>
 
-<file path=ppt/slideLayouts/slideLayout9.xml><?xml version="1.0" encoding="utf-8"?>
+<file path=ppt/slideLayouts/slideLayout8.xml><?xml version="1.0" encoding="utf-8"?>
 <p:sldLayout xmlns:a="http://schemas.openxmlformats.org/drawingml/2006/main" xmlns:r="http://schemas.openxmlformats.org/officeDocument/2006/relationships" xmlns:p="http://schemas.openxmlformats.org/presentationml/2006/main" type="tx">
   <p:cSld name="Photo - 3 Up">
     <p:spTree>
@@ -2092,6 +1743,143 @@
 </p:sldLayout>
 </file>
 
+<file path=ppt/slideLayouts/slideLayout9.xml><?xml version="1.0" encoding="utf-8"?>
+<p:sldLayout xmlns:a="http://schemas.openxmlformats.org/drawingml/2006/main" xmlns:r="http://schemas.openxmlformats.org/officeDocument/2006/relationships" xmlns:p="http://schemas.openxmlformats.org/presentationml/2006/main" type="tx">
+  <p:cSld name="Quote">
+    <p:spTree>
+      <p:nvGrpSpPr>
+        <p:cNvPr id="1" name=""/>
+        <p:cNvGrpSpPr/>
+        <p:nvPr/>
+      </p:nvGrpSpPr>
+      <p:grpSpPr>
+        <a:xfrm>
+          <a:off x="0" y="0"/>
+          <a:ext cx="0" cy="0"/>
+          <a:chOff x="0" y="0"/>
+          <a:chExt cx="0" cy="0"/>
+        </a:xfrm>
+      </p:grpSpPr>
+      <p:sp>
+        <p:nvSpPr>
+          <p:cNvPr id="93" name="–Johnny Appleseed"/>
+          <p:cNvSpPr txBox="1">
+            <a:spLocks noGrp="1"/>
+          </p:cNvSpPr>
+          <p:nvPr>
+            <p:ph type="body" sz="quarter" idx="13"/>
+          </p:nvPr>
+        </p:nvSpPr>
+        <p:spPr>
+          <a:xfrm>
+            <a:off x="1270000" y="6362700"/>
+            <a:ext cx="10464800" cy="469900"/>
+          </a:xfrm>
+          <a:prstGeom prst="rect">
+            <a:avLst/>
+          </a:prstGeom>
+        </p:spPr>
+        <p:txBody>
+          <a:bodyPr anchor="t">
+            <a:spAutoFit/>
+          </a:bodyPr>
+          <a:lstStyle>
+            <a:lvl1pPr marL="0" indent="0" algn="ctr">
+              <a:spcBef>
+                <a:spcPts val="0"/>
+              </a:spcBef>
+              <a:buSzTx/>
+              <a:buNone/>
+              <a:defRPr sz="2400">
+                <a:latin typeface="Helvetica"/>
+                <a:ea typeface="Helvetica"/>
+                <a:cs typeface="Helvetica"/>
+                <a:sym typeface="Helvetica"/>
+              </a:defRPr>
+            </a:lvl1pPr>
+          </a:lstStyle>
+          <a:p>
+            <a:r>
+              <a:t>–Johnny Appleseed</a:t>
+            </a:r>
+          </a:p>
+        </p:txBody>
+      </p:sp>
+      <p:sp>
+        <p:nvSpPr>
+          <p:cNvPr id="94" name="“Type a quote here.”"/>
+          <p:cNvSpPr txBox="1">
+            <a:spLocks noGrp="1"/>
+          </p:cNvSpPr>
+          <p:nvPr>
+            <p:ph type="body" sz="quarter" idx="14"/>
+          </p:nvPr>
+        </p:nvSpPr>
+        <p:spPr>
+          <a:xfrm>
+            <a:off x="1270000" y="4267200"/>
+            <a:ext cx="10464800" cy="685800"/>
+          </a:xfrm>
+          <a:prstGeom prst="rect">
+            <a:avLst/>
+          </a:prstGeom>
+        </p:spPr>
+        <p:txBody>
+          <a:bodyPr>
+            <a:spAutoFit/>
+          </a:bodyPr>
+          <a:lstStyle>
+            <a:lvl1pPr marL="0" indent="0" algn="ctr">
+              <a:spcBef>
+                <a:spcPts val="0"/>
+              </a:spcBef>
+              <a:buSzTx/>
+              <a:buNone/>
+              <a:defRPr sz="3800"/>
+            </a:lvl1pPr>
+          </a:lstStyle>
+          <a:p>
+            <a:r>
+              <a:t>“Type a quote here.” </a:t>
+            </a:r>
+          </a:p>
+        </p:txBody>
+      </p:sp>
+      <p:sp>
+        <p:nvSpPr>
+          <p:cNvPr id="95" name="Slide Number"/>
+          <p:cNvSpPr txBox="1">
+            <a:spLocks noGrp="1"/>
+          </p:cNvSpPr>
+          <p:nvPr>
+            <p:ph type="sldNum" sz="quarter" idx="2"/>
+          </p:nvPr>
+        </p:nvSpPr>
+        <p:spPr>
+          <a:prstGeom prst="rect">
+            <a:avLst/>
+          </a:prstGeom>
+        </p:spPr>
+        <p:txBody>
+          <a:bodyPr/>
+          <a:lstStyle/>
+          <a:p>
+            <a:fld id="{86CB4B4D-7CA3-9044-876B-883B54F8677D}" type="slidenum">
+              <a:t>‹#›</a:t>
+            </a:fld>
+            <a:endParaRPr/>
+          </a:p>
+        </p:txBody>
+      </p:sp>
+    </p:spTree>
+  </p:cSld>
+  <p:clrMapOvr>
+    <a:masterClrMapping/>
+  </p:clrMapOvr>
+  <p:transition spd="med"/>
+</p:sldLayout>
+</file>
+
 <file path=ppt/slideMasters/slideMaster1.xml><?xml version="1.0" encoding="utf-8"?>
 <p:sldMaster xmlns:a="http://schemas.openxmlformats.org/drawingml/2006/main" xmlns:r="http://schemas.openxmlformats.org/officeDocument/2006/relationships" xmlns:p="http://schemas.openxmlformats.org/presentationml/2006/main">
   <p:cSld>
@@ -2263,17 +2051,16 @@
   <p:clrMap bg1="lt1" tx1="dk1" bg2="lt2" tx2="dk2" accent1="accent1" accent2="accent2" accent3="accent3" accent4="accent4" accent5="accent5" accent6="accent6" hlink="hlink" folHlink="folHlink"/>
   <p:sldLayoutIdLst>
     <p:sldLayoutId id="2147483649" r:id="rId1"/>
-    <p:sldLayoutId id="2147483650" r:id="rId2"/>
-    <p:sldLayoutId id="2147483651" r:id="rId3"/>
-    <p:sldLayoutId id="2147483652" r:id="rId4"/>
-    <p:sldLayoutId id="2147483653" r:id="rId5"/>
-    <p:sldLayoutId id="2147483654" r:id="rId6"/>
-    <p:sldLayoutId id="2147483655" r:id="rId7"/>
-    <p:sldLayoutId id="2147483656" r:id="rId8"/>
-    <p:sldLayoutId id="2147483657" r:id="rId9"/>
-    <p:sldLayoutId id="2147483658" r:id="rId10"/>
-    <p:sldLayoutId id="2147483659" r:id="rId11"/>
-    <p:sldLayoutId id="2147483660" r:id="rId12"/>
+    <p:sldLayoutId id="2147483651" r:id="rId2"/>
+    <p:sldLayoutId id="2147483652" r:id="rId3"/>
+    <p:sldLayoutId id="2147483653" r:id="rId4"/>
+    <p:sldLayoutId id="2147483654" r:id="rId5"/>
+    <p:sldLayoutId id="2147483655" r:id="rId6"/>
+    <p:sldLayoutId id="2147483656" r:id="rId7"/>
+    <p:sldLayoutId id="2147483657" r:id="rId8"/>
+    <p:sldLayoutId id="2147483658" r:id="rId9"/>
+    <p:sldLayoutId id="2147483659" r:id="rId10"/>
+    <p:sldLayoutId id="2147483660" r:id="rId11"/>
   </p:sldLayoutIdLst>
   <p:transition spd="med"/>
   <p:txStyles>
@@ -3339,389 +3126,11 @@
               <a:rPr lang="zh-CN" altLang="en-US" dirty="0"/>
               <a:t> </a:t>
             </a:r>
-            <a:endParaRPr dirty="0"/>
+            <a:endParaRPr lang="en-US" altLang="zh-CN" dirty="0"/>
           </a:p>
         </p:txBody>
       </p:sp>
     </p:spTree>
-  </p:cSld>
-  <p:clrMapOvr>
-    <a:masterClrMapping/>
-  </p:clrMapOvr>
-  <p:transition spd="med"/>
-</p:sld>
-</file>
-
-<file path=ppt/slides/slide10.xml><?xml version="1.0" encoding="utf-8"?>
-<p:sld xmlns:a="http://schemas.openxmlformats.org/drawingml/2006/main" xmlns:r="http://schemas.openxmlformats.org/officeDocument/2006/relationships" xmlns:p="http://schemas.openxmlformats.org/presentationml/2006/main">
-  <p:cSld>
-    <p:spTree>
-      <p:nvGrpSpPr>
-        <p:cNvPr id="1" name=""/>
-        <p:cNvGrpSpPr/>
-        <p:nvPr/>
-      </p:nvGrpSpPr>
-      <p:grpSpPr>
-        <a:xfrm>
-          <a:off x="0" y="0"/>
-          <a:ext cx="0" cy="0"/>
-          <a:chOff x="0" y="0"/>
-          <a:chExt cx="0" cy="0"/>
-        </a:xfrm>
-      </p:grpSpPr>
-      <p:sp>
-        <p:nvSpPr>
-          <p:cNvPr id="2" name="Picture Placeholder 1">
-            <a:extLst>
-              <a:ext uri="{FF2B5EF4-FFF2-40B4-BE49-F238E27FC236}">
-                <a16:creationId xmlns:a16="http://schemas.microsoft.com/office/drawing/2014/main" id="{B0510EBB-789E-8143-BAA9-8CF17CBE39CC}"/>
-              </a:ext>
-            </a:extLst>
-          </p:cNvPr>
-          <p:cNvSpPr>
-            <a:spLocks noGrp="1"/>
-          </p:cNvSpPr>
-          <p:nvPr>
-            <p:ph type="pic" idx="13"/>
-          </p:nvPr>
-        </p:nvSpPr>
-        <p:spPr/>
-      </p:sp>
-      <p:sp>
-        <p:nvSpPr>
-          <p:cNvPr id="3" name="Title 2">
-            <a:extLst>
-              <a:ext uri="{FF2B5EF4-FFF2-40B4-BE49-F238E27FC236}">
-                <a16:creationId xmlns:a16="http://schemas.microsoft.com/office/drawing/2014/main" id="{FD3BAD24-BF68-724C-AB47-464070DC9E39}"/>
-              </a:ext>
-            </a:extLst>
-          </p:cNvPr>
-          <p:cNvSpPr>
-            <a:spLocks noGrp="1"/>
-          </p:cNvSpPr>
-          <p:nvPr>
-            <p:ph type="title"/>
-          </p:nvPr>
-        </p:nvSpPr>
-        <p:spPr/>
-        <p:txBody>
-          <a:bodyPr/>
-          <a:lstStyle/>
-          <a:p>
-            <a:endParaRPr lang="en-US"/>
-          </a:p>
-        </p:txBody>
-      </p:sp>
-      <p:sp>
-        <p:nvSpPr>
-          <p:cNvPr id="4" name="Text Placeholder 3">
-            <a:extLst>
-              <a:ext uri="{FF2B5EF4-FFF2-40B4-BE49-F238E27FC236}">
-                <a16:creationId xmlns:a16="http://schemas.microsoft.com/office/drawing/2014/main" id="{68FABE0F-913B-EA4F-8A0A-B37CF855A327}"/>
-              </a:ext>
-            </a:extLst>
-          </p:cNvPr>
-          <p:cNvSpPr>
-            <a:spLocks noGrp="1"/>
-          </p:cNvSpPr>
-          <p:nvPr>
-            <p:ph type="body" sz="quarter" idx="1"/>
-          </p:nvPr>
-        </p:nvSpPr>
-        <p:spPr/>
-        <p:txBody>
-          <a:bodyPr/>
-          <a:lstStyle/>
-          <a:p>
-            <a:endParaRPr lang="en-US"/>
-          </a:p>
-        </p:txBody>
-      </p:sp>
-    </p:spTree>
-    <p:extLst>
-      <p:ext uri="{BB962C8B-B14F-4D97-AF65-F5344CB8AC3E}">
-        <p14:creationId xmlns:p14="http://schemas.microsoft.com/office/powerpoint/2010/main" val="3918670465"/>
-      </p:ext>
-    </p:extLst>
-  </p:cSld>
-  <p:clrMapOvr>
-    <a:masterClrMapping/>
-  </p:clrMapOvr>
-  <p:transition spd="med"/>
-</p:sld>
-</file>
-
-<file path=ppt/slides/slide11.xml><?xml version="1.0" encoding="utf-8"?>
-<p:sld xmlns:a="http://schemas.openxmlformats.org/drawingml/2006/main" xmlns:r="http://schemas.openxmlformats.org/officeDocument/2006/relationships" xmlns:p="http://schemas.openxmlformats.org/presentationml/2006/main">
-  <p:cSld>
-    <p:spTree>
-      <p:nvGrpSpPr>
-        <p:cNvPr id="1" name=""/>
-        <p:cNvGrpSpPr/>
-        <p:nvPr/>
-      </p:nvGrpSpPr>
-      <p:grpSpPr>
-        <a:xfrm>
-          <a:off x="0" y="0"/>
-          <a:ext cx="0" cy="0"/>
-          <a:chOff x="0" y="0"/>
-          <a:chExt cx="0" cy="0"/>
-        </a:xfrm>
-      </p:grpSpPr>
-      <p:sp>
-        <p:nvSpPr>
-          <p:cNvPr id="3" name="Title 2">
-            <a:extLst>
-              <a:ext uri="{FF2B5EF4-FFF2-40B4-BE49-F238E27FC236}">
-                <a16:creationId xmlns:a16="http://schemas.microsoft.com/office/drawing/2014/main" id="{FD3BAD24-BF68-724C-AB47-464070DC9E39}"/>
-              </a:ext>
-            </a:extLst>
-          </p:cNvPr>
-          <p:cNvSpPr>
-            <a:spLocks noGrp="1"/>
-          </p:cNvSpPr>
-          <p:nvPr>
-            <p:ph type="title"/>
-          </p:nvPr>
-        </p:nvSpPr>
-        <p:spPr/>
-        <p:txBody>
-          <a:bodyPr/>
-          <a:lstStyle/>
-          <a:p>
-            <a:endParaRPr lang="en-US"/>
-          </a:p>
-        </p:txBody>
-      </p:sp>
-      <p:sp>
-        <p:nvSpPr>
-          <p:cNvPr id="4" name="Text Placeholder 3">
-            <a:extLst>
-              <a:ext uri="{FF2B5EF4-FFF2-40B4-BE49-F238E27FC236}">
-                <a16:creationId xmlns:a16="http://schemas.microsoft.com/office/drawing/2014/main" id="{68FABE0F-913B-EA4F-8A0A-B37CF855A327}"/>
-              </a:ext>
-            </a:extLst>
-          </p:cNvPr>
-          <p:cNvSpPr>
-            <a:spLocks noGrp="1"/>
-          </p:cNvSpPr>
-          <p:nvPr>
-            <p:ph type="body" sz="quarter" idx="1"/>
-          </p:nvPr>
-        </p:nvSpPr>
-        <p:spPr/>
-        <p:txBody>
-          <a:bodyPr/>
-          <a:lstStyle/>
-          <a:p>
-            <a:endParaRPr lang="en-US"/>
-          </a:p>
-        </p:txBody>
-      </p:sp>
-    </p:spTree>
-    <p:extLst>
-      <p:ext uri="{BB962C8B-B14F-4D97-AF65-F5344CB8AC3E}">
-        <p14:creationId xmlns:p14="http://schemas.microsoft.com/office/powerpoint/2010/main" val="2230004692"/>
-      </p:ext>
-    </p:extLst>
-  </p:cSld>
-  <p:clrMapOvr>
-    <a:masterClrMapping/>
-  </p:clrMapOvr>
-  <p:transition spd="med"/>
-</p:sld>
-</file>
-
-<file path=ppt/slides/slide12.xml><?xml version="1.0" encoding="utf-8"?>
-<p:sld xmlns:a="http://schemas.openxmlformats.org/drawingml/2006/main" xmlns:r="http://schemas.openxmlformats.org/officeDocument/2006/relationships" xmlns:p="http://schemas.openxmlformats.org/presentationml/2006/main">
-  <p:cSld>
-    <p:spTree>
-      <p:nvGrpSpPr>
-        <p:cNvPr id="1" name=""/>
-        <p:cNvGrpSpPr/>
-        <p:nvPr/>
-      </p:nvGrpSpPr>
-      <p:grpSpPr>
-        <a:xfrm>
-          <a:off x="0" y="0"/>
-          <a:ext cx="0" cy="0"/>
-          <a:chOff x="0" y="0"/>
-          <a:chExt cx="0" cy="0"/>
-        </a:xfrm>
-      </p:grpSpPr>
-      <p:sp>
-        <p:nvSpPr>
-          <p:cNvPr id="2" name="Picture Placeholder 1">
-            <a:extLst>
-              <a:ext uri="{FF2B5EF4-FFF2-40B4-BE49-F238E27FC236}">
-                <a16:creationId xmlns:a16="http://schemas.microsoft.com/office/drawing/2014/main" id="{B0510EBB-789E-8143-BAA9-8CF17CBE39CC}"/>
-              </a:ext>
-            </a:extLst>
-          </p:cNvPr>
-          <p:cNvSpPr>
-            <a:spLocks noGrp="1"/>
-          </p:cNvSpPr>
-          <p:nvPr>
-            <p:ph type="pic" idx="13"/>
-          </p:nvPr>
-        </p:nvSpPr>
-        <p:spPr/>
-      </p:sp>
-      <p:sp>
-        <p:nvSpPr>
-          <p:cNvPr id="3" name="Title 2">
-            <a:extLst>
-              <a:ext uri="{FF2B5EF4-FFF2-40B4-BE49-F238E27FC236}">
-                <a16:creationId xmlns:a16="http://schemas.microsoft.com/office/drawing/2014/main" id="{FD3BAD24-BF68-724C-AB47-464070DC9E39}"/>
-              </a:ext>
-            </a:extLst>
-          </p:cNvPr>
-          <p:cNvSpPr>
-            <a:spLocks noGrp="1"/>
-          </p:cNvSpPr>
-          <p:nvPr>
-            <p:ph type="title"/>
-          </p:nvPr>
-        </p:nvSpPr>
-        <p:spPr/>
-        <p:txBody>
-          <a:bodyPr/>
-          <a:lstStyle/>
-          <a:p>
-            <a:endParaRPr lang="en-US"/>
-          </a:p>
-        </p:txBody>
-      </p:sp>
-      <p:sp>
-        <p:nvSpPr>
-          <p:cNvPr id="4" name="Text Placeholder 3">
-            <a:extLst>
-              <a:ext uri="{FF2B5EF4-FFF2-40B4-BE49-F238E27FC236}">
-                <a16:creationId xmlns:a16="http://schemas.microsoft.com/office/drawing/2014/main" id="{68FABE0F-913B-EA4F-8A0A-B37CF855A327}"/>
-              </a:ext>
-            </a:extLst>
-          </p:cNvPr>
-          <p:cNvSpPr>
-            <a:spLocks noGrp="1"/>
-          </p:cNvSpPr>
-          <p:nvPr>
-            <p:ph type="body" sz="quarter" idx="1"/>
-          </p:nvPr>
-        </p:nvSpPr>
-        <p:spPr/>
-        <p:txBody>
-          <a:bodyPr/>
-          <a:lstStyle/>
-          <a:p>
-            <a:endParaRPr lang="en-US"/>
-          </a:p>
-        </p:txBody>
-      </p:sp>
-    </p:spTree>
-    <p:extLst>
-      <p:ext uri="{BB962C8B-B14F-4D97-AF65-F5344CB8AC3E}">
-        <p14:creationId xmlns:p14="http://schemas.microsoft.com/office/powerpoint/2010/main" val="1397148453"/>
-      </p:ext>
-    </p:extLst>
-  </p:cSld>
-  <p:clrMapOvr>
-    <a:masterClrMapping/>
-  </p:clrMapOvr>
-  <p:transition spd="med"/>
-</p:sld>
-</file>
-
-<file path=ppt/slides/slide13.xml><?xml version="1.0" encoding="utf-8"?>
-<p:sld xmlns:a="http://schemas.openxmlformats.org/drawingml/2006/main" xmlns:r="http://schemas.openxmlformats.org/officeDocument/2006/relationships" xmlns:p="http://schemas.openxmlformats.org/presentationml/2006/main">
-  <p:cSld>
-    <p:spTree>
-      <p:nvGrpSpPr>
-        <p:cNvPr id="1" name=""/>
-        <p:cNvGrpSpPr/>
-        <p:nvPr/>
-      </p:nvGrpSpPr>
-      <p:grpSpPr>
-        <a:xfrm>
-          <a:off x="0" y="0"/>
-          <a:ext cx="0" cy="0"/>
-          <a:chOff x="0" y="0"/>
-          <a:chExt cx="0" cy="0"/>
-        </a:xfrm>
-      </p:grpSpPr>
-      <p:sp>
-        <p:nvSpPr>
-          <p:cNvPr id="2" name="Picture Placeholder 1">
-            <a:extLst>
-              <a:ext uri="{FF2B5EF4-FFF2-40B4-BE49-F238E27FC236}">
-                <a16:creationId xmlns:a16="http://schemas.microsoft.com/office/drawing/2014/main" id="{B0510EBB-789E-8143-BAA9-8CF17CBE39CC}"/>
-              </a:ext>
-            </a:extLst>
-          </p:cNvPr>
-          <p:cNvSpPr>
-            <a:spLocks noGrp="1"/>
-          </p:cNvSpPr>
-          <p:nvPr>
-            <p:ph type="pic" idx="13"/>
-          </p:nvPr>
-        </p:nvSpPr>
-        <p:spPr/>
-      </p:sp>
-      <p:sp>
-        <p:nvSpPr>
-          <p:cNvPr id="3" name="Title 2">
-            <a:extLst>
-              <a:ext uri="{FF2B5EF4-FFF2-40B4-BE49-F238E27FC236}">
-                <a16:creationId xmlns:a16="http://schemas.microsoft.com/office/drawing/2014/main" id="{FD3BAD24-BF68-724C-AB47-464070DC9E39}"/>
-              </a:ext>
-            </a:extLst>
-          </p:cNvPr>
-          <p:cNvSpPr>
-            <a:spLocks noGrp="1"/>
-          </p:cNvSpPr>
-          <p:nvPr>
-            <p:ph type="title"/>
-          </p:nvPr>
-        </p:nvSpPr>
-        <p:spPr/>
-        <p:txBody>
-          <a:bodyPr/>
-          <a:lstStyle/>
-          <a:p>
-            <a:endParaRPr lang="en-US"/>
-          </a:p>
-        </p:txBody>
-      </p:sp>
-      <p:sp>
-        <p:nvSpPr>
-          <p:cNvPr id="4" name="Text Placeholder 3">
-            <a:extLst>
-              <a:ext uri="{FF2B5EF4-FFF2-40B4-BE49-F238E27FC236}">
-                <a16:creationId xmlns:a16="http://schemas.microsoft.com/office/drawing/2014/main" id="{68FABE0F-913B-EA4F-8A0A-B37CF855A327}"/>
-              </a:ext>
-            </a:extLst>
-          </p:cNvPr>
-          <p:cNvSpPr>
-            <a:spLocks noGrp="1"/>
-          </p:cNvSpPr>
-          <p:nvPr>
-            <p:ph type="body" sz="quarter" idx="1"/>
-          </p:nvPr>
-        </p:nvSpPr>
-        <p:spPr/>
-        <p:txBody>
-          <a:bodyPr/>
-          <a:lstStyle/>
-          <a:p>
-            <a:endParaRPr lang="en-US"/>
-          </a:p>
-        </p:txBody>
-      </p:sp>
-    </p:spTree>
-    <p:extLst>
-      <p:ext uri="{BB962C8B-B14F-4D97-AF65-F5344CB8AC3E}">
-        <p14:creationId xmlns:p14="http://schemas.microsoft.com/office/powerpoint/2010/main" val="395958087"/>
-      </p:ext>
-    </p:extLst>
   </p:cSld>
   <p:clrMapOvr>
     <a:masterClrMapping/>
@@ -4835,7 +4244,7 @@
             </a:r>
             <a:r>
               <a:rPr lang="en-US" altLang="zh-CN" dirty="0"/>
-              <a:t>prompt</a:t>
+              <a:t>prompted</a:t>
             </a:r>
             <a:r>
               <a:rPr lang="zh-CN" altLang="en-US" dirty="0"/>
@@ -5168,8 +4577,8 @@
         </p:nvSpPr>
         <p:spPr>
           <a:xfrm>
-            <a:off x="1149860" y="4579282"/>
-            <a:ext cx="10705079" cy="595035"/>
+            <a:off x="1149860" y="4333061"/>
+            <a:ext cx="10705079" cy="1087477"/>
           </a:xfrm>
           <a:prstGeom prst="rect">
             <a:avLst/>
@@ -5193,24 +4602,16 @@
               <a:defRPr sz="3200"/>
             </a:pPr>
             <a:r>
-              <a:rPr lang="en-US" altLang="zh-CN" dirty="0"/>
-              <a:t>Between</a:t>
-            </a:r>
-            <a:r>
-              <a:rPr lang="zh-CN" altLang="en-US" dirty="0"/>
-              <a:t> </a:t>
-            </a:r>
-            <a:r>
-              <a:rPr lang="en-US" altLang="zh-CN" dirty="0"/>
-              <a:t>two</a:t>
-            </a:r>
-            <a:r>
-              <a:rPr lang="zh-CN" altLang="en-US" dirty="0"/>
-              <a:t> </a:t>
-            </a:r>
-            <a:r>
-              <a:rPr lang="en-US" altLang="zh-CN" dirty="0"/>
-              <a:t>tasks,</a:t>
+              <a:rPr lang="en-US" altLang="zh-CN" sz="3200" dirty="0"/>
+              <a:t>I</a:t>
+            </a:r>
+            <a:r>
+              <a:rPr lang="en-US" sz="3200" dirty="0"/>
+              <a:t>n the breaks between the parts of the experiment</a:t>
+            </a:r>
+            <a:r>
+              <a:rPr lang="en-US" altLang="zh-CN" dirty="0"/>
+              <a:t>,</a:t>
             </a:r>
             <a:r>
               <a:rPr lang="zh-CN" altLang="en-US" dirty="0"/>
@@ -5326,8 +4727,8 @@
         </p:nvSpPr>
         <p:spPr>
           <a:xfrm>
-            <a:off x="1149860" y="4086840"/>
-            <a:ext cx="10705079" cy="1579920"/>
+            <a:off x="1149860" y="3840619"/>
+            <a:ext cx="10705079" cy="2072362"/>
           </a:xfrm>
           <a:prstGeom prst="rect">
             <a:avLst/>
@@ -5375,7 +4776,7 @@
               <a:t> </a:t>
             </a:r>
             <a:r>
-              <a:rPr lang="en-US" altLang="zh-CN" b="1" u="sng" dirty="0"/>
+              <a:rPr lang="en-US" altLang="zh-CN" dirty="0"/>
               <a:t>not</a:t>
             </a:r>
             <a:r>
@@ -5415,7 +4816,7 @@
               <a:t> </a:t>
             </a:r>
             <a:r>
-              <a:rPr lang="en-US" altLang="zh-CN" b="1" u="sng" dirty="0"/>
+              <a:rPr lang="en-US" altLang="zh-CN" dirty="0"/>
               <a:t>not</a:t>
             </a:r>
             <a:r>
@@ -5535,6 +4936,87 @@
               <a:t> </a:t>
             </a:r>
             <a:endParaRPr lang="en-US" altLang="zh-CN" dirty="0"/>
+          </a:p>
+          <a:p>
+            <a:pPr>
+              <a:defRPr sz="3200"/>
+            </a:pPr>
+            <a:r>
+              <a:rPr lang="en-US" altLang="zh-CN" dirty="0"/>
+              <a:t>People</a:t>
+            </a:r>
+            <a:r>
+              <a:rPr lang="zh-CN" altLang="en-US" dirty="0"/>
+              <a:t> </a:t>
+            </a:r>
+            <a:r>
+              <a:rPr lang="en-US" altLang="zh-CN" dirty="0"/>
+              <a:t>spend</a:t>
+            </a:r>
+            <a:r>
+              <a:rPr lang="zh-CN" altLang="en-US" dirty="0"/>
+              <a:t> </a:t>
+            </a:r>
+            <a:r>
+              <a:rPr lang="en-US" altLang="zh-CN" dirty="0"/>
+              <a:t>20</a:t>
+            </a:r>
+            <a:r>
+              <a:rPr lang="zh-CN" altLang="en-US" dirty="0"/>
+              <a:t> </a:t>
+            </a:r>
+            <a:r>
+              <a:rPr lang="en-US" altLang="zh-CN" dirty="0"/>
+              <a:t>minutes</a:t>
+            </a:r>
+            <a:r>
+              <a:rPr lang="zh-CN" altLang="en-US" dirty="0"/>
+              <a:t> </a:t>
+            </a:r>
+            <a:r>
+              <a:rPr lang="en-US" altLang="zh-CN" dirty="0"/>
+              <a:t>on</a:t>
+            </a:r>
+            <a:r>
+              <a:rPr lang="zh-CN" altLang="en-US" dirty="0"/>
+              <a:t> </a:t>
+            </a:r>
+            <a:r>
+              <a:rPr lang="en-US" altLang="zh-CN" dirty="0"/>
+              <a:t>average</a:t>
+            </a:r>
+            <a:r>
+              <a:rPr lang="zh-CN" altLang="en-US" dirty="0"/>
+              <a:t> </a:t>
+            </a:r>
+            <a:r>
+              <a:rPr lang="en-US" altLang="zh-CN" dirty="0"/>
+              <a:t>to</a:t>
+            </a:r>
+            <a:r>
+              <a:rPr lang="zh-CN" altLang="en-US" dirty="0"/>
+              <a:t> </a:t>
+            </a:r>
+            <a:r>
+              <a:rPr lang="en-US" altLang="zh-CN" dirty="0"/>
+              <a:t>finish</a:t>
+            </a:r>
+            <a:r>
+              <a:rPr lang="zh-CN" altLang="en-US" dirty="0"/>
+              <a:t> </a:t>
+            </a:r>
+            <a:r>
+              <a:rPr lang="en-US" altLang="zh-CN" dirty="0"/>
+              <a:t>the</a:t>
+            </a:r>
+            <a:r>
+              <a:rPr lang="zh-CN" altLang="en-US" dirty="0"/>
+              <a:t> </a:t>
+            </a:r>
+            <a:r>
+              <a:rPr lang="en-US" altLang="zh-CN" dirty="0"/>
+              <a:t>study.</a:t>
+            </a:r>
           </a:p>
         </p:txBody>
       </p:sp>
@@ -5756,78 +5238,10 @@
           <a:chExt cx="0" cy="0"/>
         </a:xfrm>
       </p:grpSpPr>
-      <p:sp>
-        <p:nvSpPr>
-          <p:cNvPr id="2" name="Picture Placeholder 1">
-            <a:extLst>
-              <a:ext uri="{FF2B5EF4-FFF2-40B4-BE49-F238E27FC236}">
-                <a16:creationId xmlns:a16="http://schemas.microsoft.com/office/drawing/2014/main" id="{B0510EBB-789E-8143-BAA9-8CF17CBE39CC}"/>
-              </a:ext>
-            </a:extLst>
-          </p:cNvPr>
-          <p:cNvSpPr>
-            <a:spLocks noGrp="1"/>
-          </p:cNvSpPr>
-          <p:nvPr>
-            <p:ph type="pic" idx="13"/>
-          </p:nvPr>
-        </p:nvSpPr>
-        <p:spPr/>
-      </p:sp>
-      <p:sp>
-        <p:nvSpPr>
-          <p:cNvPr id="3" name="Title 2">
-            <a:extLst>
-              <a:ext uri="{FF2B5EF4-FFF2-40B4-BE49-F238E27FC236}">
-                <a16:creationId xmlns:a16="http://schemas.microsoft.com/office/drawing/2014/main" id="{FD3BAD24-BF68-724C-AB47-464070DC9E39}"/>
-              </a:ext>
-            </a:extLst>
-          </p:cNvPr>
-          <p:cNvSpPr>
-            <a:spLocks noGrp="1"/>
-          </p:cNvSpPr>
-          <p:nvPr>
-            <p:ph type="title"/>
-          </p:nvPr>
-        </p:nvSpPr>
-        <p:spPr/>
-        <p:txBody>
-          <a:bodyPr/>
-          <a:lstStyle/>
-          <a:p>
-            <a:endParaRPr lang="en-US"/>
-          </a:p>
-        </p:txBody>
-      </p:sp>
-      <p:sp>
-        <p:nvSpPr>
-          <p:cNvPr id="4" name="Text Placeholder 3">
-            <a:extLst>
-              <a:ext uri="{FF2B5EF4-FFF2-40B4-BE49-F238E27FC236}">
-                <a16:creationId xmlns:a16="http://schemas.microsoft.com/office/drawing/2014/main" id="{68FABE0F-913B-EA4F-8A0A-B37CF855A327}"/>
-              </a:ext>
-            </a:extLst>
-          </p:cNvPr>
-          <p:cNvSpPr>
-            <a:spLocks noGrp="1"/>
-          </p:cNvSpPr>
-          <p:nvPr>
-            <p:ph type="body" sz="quarter" idx="1"/>
-          </p:nvPr>
-        </p:nvSpPr>
-        <p:spPr/>
-        <p:txBody>
-          <a:bodyPr/>
-          <a:lstStyle/>
-          <a:p>
-            <a:endParaRPr lang="en-US"/>
-          </a:p>
-        </p:txBody>
-      </p:sp>
     </p:spTree>
     <p:extLst>
       <p:ext uri="{BB962C8B-B14F-4D97-AF65-F5344CB8AC3E}">
-        <p14:creationId xmlns:p14="http://schemas.microsoft.com/office/powerpoint/2010/main" val="1809792020"/>
+        <p14:creationId xmlns:p14="http://schemas.microsoft.com/office/powerpoint/2010/main" val="1699874256"/>
       </p:ext>
     </p:extLst>
   </p:cSld>

--- a/experiment/misc/instruction_visuals.pptx
+++ b/experiment/misc/instruction_visuals.pptx
@@ -5,7 +5,7 @@
     <p:sldMasterId id="2147483648" r:id="rId1"/>
   </p:sldMasterIdLst>
   <p:notesMasterIdLst>
-    <p:notesMasterId r:id="rId11"/>
+    <p:notesMasterId r:id="rId10"/>
   </p:notesMasterIdLst>
   <p:sldIdLst>
     <p:sldId id="256" r:id="rId2"/>
@@ -16,7 +16,6 @@
     <p:sldId id="312" r:id="rId7"/>
     <p:sldId id="311" r:id="rId8"/>
     <p:sldId id="313" r:id="rId9"/>
-    <p:sldId id="314" r:id="rId10"/>
   </p:sldIdLst>
   <p:sldSz cx="13004800" cy="9753600"/>
   <p:notesSz cx="6858000" cy="9144000"/>
@@ -686,87 +685,6 @@
 
 <file path=ppt/slideLayouts/slideLayout10.xml><?xml version="1.0" encoding="utf-8"?>
 <p:sldLayout xmlns:a="http://schemas.openxmlformats.org/drawingml/2006/main" xmlns:r="http://schemas.openxmlformats.org/officeDocument/2006/relationships" xmlns:p="http://schemas.openxmlformats.org/presentationml/2006/main" type="tx">
-  <p:cSld name="Photo">
-    <p:spTree>
-      <p:nvGrpSpPr>
-        <p:cNvPr id="1" name=""/>
-        <p:cNvGrpSpPr/>
-        <p:nvPr/>
-      </p:nvGrpSpPr>
-      <p:grpSpPr>
-        <a:xfrm>
-          <a:off x="0" y="0"/>
-          <a:ext cx="0" cy="0"/>
-          <a:chOff x="0" y="0"/>
-          <a:chExt cx="0" cy="0"/>
-        </a:xfrm>
-      </p:grpSpPr>
-      <p:sp>
-        <p:nvSpPr>
-          <p:cNvPr id="102" name="Image"/>
-          <p:cNvSpPr>
-            <a:spLocks noGrp="1"/>
-          </p:cNvSpPr>
-          <p:nvPr>
-            <p:ph type="pic" idx="13"/>
-          </p:nvPr>
-        </p:nvSpPr>
-        <p:spPr>
-          <a:xfrm>
-            <a:off x="-812800" y="0"/>
-            <a:ext cx="15232066" cy="10160000"/>
-          </a:xfrm>
-          <a:prstGeom prst="rect">
-            <a:avLst/>
-          </a:prstGeom>
-        </p:spPr>
-        <p:txBody>
-          <a:bodyPr lIns="91439" tIns="45719" rIns="91439" bIns="45719" anchor="t">
-            <a:noAutofit/>
-          </a:bodyPr>
-          <a:lstStyle/>
-          <a:p>
-            <a:endParaRPr/>
-          </a:p>
-        </p:txBody>
-      </p:sp>
-      <p:sp>
-        <p:nvSpPr>
-          <p:cNvPr id="103" name="Slide Number"/>
-          <p:cNvSpPr txBox="1">
-            <a:spLocks noGrp="1"/>
-          </p:cNvSpPr>
-          <p:nvPr>
-            <p:ph type="sldNum" sz="quarter" idx="2"/>
-          </p:nvPr>
-        </p:nvSpPr>
-        <p:spPr>
-          <a:prstGeom prst="rect">
-            <a:avLst/>
-          </a:prstGeom>
-        </p:spPr>
-        <p:txBody>
-          <a:bodyPr/>
-          <a:lstStyle/>
-          <a:p>
-            <a:fld id="{86CB4B4D-7CA3-9044-876B-883B54F8677D}" type="slidenum">
-              <a:t>‹#›</a:t>
-            </a:fld>
-            <a:endParaRPr/>
-          </a:p>
-        </p:txBody>
-      </p:sp>
-    </p:spTree>
-  </p:cSld>
-  <p:clrMapOvr>
-    <a:masterClrMapping/>
-  </p:clrMapOvr>
-  <p:transition spd="med"/>
-</p:sldLayout>
-</file>
-
-<file path=ppt/slideLayouts/slideLayout11.xml><?xml version="1.0" encoding="utf-8"?>
-<p:sldLayout xmlns:a="http://schemas.openxmlformats.org/drawingml/2006/main" xmlns:r="http://schemas.openxmlformats.org/officeDocument/2006/relationships" xmlns:p="http://schemas.openxmlformats.org/presentationml/2006/main" type="tx">
   <p:cSld name="Blank">
     <p:spTree>
       <p:nvGrpSpPr>
@@ -818,87 +736,6 @@
 </file>
 
 <file path=ppt/slideLayouts/slideLayout2.xml><?xml version="1.0" encoding="utf-8"?>
-<p:sldLayout xmlns:a="http://schemas.openxmlformats.org/drawingml/2006/main" xmlns:r="http://schemas.openxmlformats.org/officeDocument/2006/relationships" xmlns:p="http://schemas.openxmlformats.org/presentationml/2006/main" type="tx">
-  <p:cSld name="Title - Center">
-    <p:spTree>
-      <p:nvGrpSpPr>
-        <p:cNvPr id="1" name=""/>
-        <p:cNvGrpSpPr/>
-        <p:nvPr/>
-      </p:nvGrpSpPr>
-      <p:grpSpPr>
-        <a:xfrm>
-          <a:off x="0" y="0"/>
-          <a:ext cx="0" cy="0"/>
-          <a:chOff x="0" y="0"/>
-          <a:chExt cx="0" cy="0"/>
-        </a:xfrm>
-      </p:grpSpPr>
-      <p:sp>
-        <p:nvSpPr>
-          <p:cNvPr id="30" name="Title Text"/>
-          <p:cNvSpPr txBox="1">
-            <a:spLocks noGrp="1"/>
-          </p:cNvSpPr>
-          <p:nvPr>
-            <p:ph type="title"/>
-          </p:nvPr>
-        </p:nvSpPr>
-        <p:spPr>
-          <a:xfrm>
-            <a:off x="1270000" y="3225800"/>
-            <a:ext cx="10464800" cy="3302000"/>
-          </a:xfrm>
-          <a:prstGeom prst="rect">
-            <a:avLst/>
-          </a:prstGeom>
-        </p:spPr>
-        <p:txBody>
-          <a:bodyPr/>
-          <a:lstStyle/>
-          <a:p>
-            <a:r>
-              <a:t>Title Text</a:t>
-            </a:r>
-          </a:p>
-        </p:txBody>
-      </p:sp>
-      <p:sp>
-        <p:nvSpPr>
-          <p:cNvPr id="31" name="Slide Number"/>
-          <p:cNvSpPr txBox="1">
-            <a:spLocks noGrp="1"/>
-          </p:cNvSpPr>
-          <p:nvPr>
-            <p:ph type="sldNum" sz="quarter" idx="2"/>
-          </p:nvPr>
-        </p:nvSpPr>
-        <p:spPr>
-          <a:prstGeom prst="rect">
-            <a:avLst/>
-          </a:prstGeom>
-        </p:spPr>
-        <p:txBody>
-          <a:bodyPr/>
-          <a:lstStyle/>
-          <a:p>
-            <a:fld id="{86CB4B4D-7CA3-9044-876B-883B54F8677D}" type="slidenum">
-              <a:t>‹#›</a:t>
-            </a:fld>
-            <a:endParaRPr/>
-          </a:p>
-        </p:txBody>
-      </p:sp>
-    </p:spTree>
-  </p:cSld>
-  <p:clrMapOvr>
-    <a:masterClrMapping/>
-  </p:clrMapOvr>
-  <p:transition spd="med"/>
-</p:sldLayout>
-</file>
-
-<file path=ppt/slideLayouts/slideLayout3.xml><?xml version="1.0" encoding="utf-8"?>
 <p:sldLayout xmlns:a="http://schemas.openxmlformats.org/drawingml/2006/main" xmlns:r="http://schemas.openxmlformats.org/officeDocument/2006/relationships" xmlns:p="http://schemas.openxmlformats.org/presentationml/2006/main" type="tx">
   <p:cSld name="Photo - Vertical">
     <p:spTree>
@@ -1106,7 +943,7 @@
 </p:sldLayout>
 </file>
 
-<file path=ppt/slideLayouts/slideLayout4.xml><?xml version="1.0" encoding="utf-8"?>
+<file path=ppt/slideLayouts/slideLayout3.xml><?xml version="1.0" encoding="utf-8"?>
 <p:sldLayout xmlns:a="http://schemas.openxmlformats.org/drawingml/2006/main" xmlns:r="http://schemas.openxmlformats.org/officeDocument/2006/relationships" xmlns:p="http://schemas.openxmlformats.org/presentationml/2006/main" type="tx">
   <p:cSld name="Title - Top">
     <p:spTree>
@@ -1183,7 +1020,7 @@
 </p:sldLayout>
 </file>
 
-<file path=ppt/slideLayouts/slideLayout5.xml><?xml version="1.0" encoding="utf-8"?>
+<file path=ppt/slideLayouts/slideLayout4.xml><?xml version="1.0" encoding="utf-8"?>
 <p:sldLayout xmlns:a="http://schemas.openxmlformats.org/drawingml/2006/main" xmlns:r="http://schemas.openxmlformats.org/officeDocument/2006/relationships" xmlns:p="http://schemas.openxmlformats.org/presentationml/2006/main" type="tx">
   <p:cSld name="Title &amp; Bullets">
     <p:spTree>
@@ -1309,7 +1146,7 @@
 </p:sldLayout>
 </file>
 
-<file path=ppt/slideLayouts/slideLayout6.xml><?xml version="1.0" encoding="utf-8"?>
+<file path=ppt/slideLayouts/slideLayout5.xml><?xml version="1.0" encoding="utf-8"?>
 <p:sldLayout xmlns:a="http://schemas.openxmlformats.org/drawingml/2006/main" xmlns:r="http://schemas.openxmlformats.org/officeDocument/2006/relationships" xmlns:p="http://schemas.openxmlformats.org/presentationml/2006/main" type="tx">
   <p:cSld name="Title, Bullets &amp; Photo">
     <p:spTree>
@@ -1499,7 +1336,7 @@
 </p:sldLayout>
 </file>
 
-<file path=ppt/slideLayouts/slideLayout7.xml><?xml version="1.0" encoding="utf-8"?>
+<file path=ppt/slideLayouts/slideLayout6.xml><?xml version="1.0" encoding="utf-8"?>
 <p:sldLayout xmlns:a="http://schemas.openxmlformats.org/drawingml/2006/main" xmlns:r="http://schemas.openxmlformats.org/officeDocument/2006/relationships" xmlns:p="http://schemas.openxmlformats.org/presentationml/2006/main" type="tx">
   <p:cSld name="Bullets">
     <p:spTree>
@@ -1604,7 +1441,7 @@
 </p:sldLayout>
 </file>
 
-<file path=ppt/slideLayouts/slideLayout8.xml><?xml version="1.0" encoding="utf-8"?>
+<file path=ppt/slideLayouts/slideLayout7.xml><?xml version="1.0" encoding="utf-8"?>
 <p:sldLayout xmlns:a="http://schemas.openxmlformats.org/drawingml/2006/main" xmlns:r="http://schemas.openxmlformats.org/officeDocument/2006/relationships" xmlns:p="http://schemas.openxmlformats.org/presentationml/2006/main" type="tx">
   <p:cSld name="Photo - 3 Up">
     <p:spTree>
@@ -1743,7 +1580,7 @@
 </p:sldLayout>
 </file>
 
-<file path=ppt/slideLayouts/slideLayout9.xml><?xml version="1.0" encoding="utf-8"?>
+<file path=ppt/slideLayouts/slideLayout8.xml><?xml version="1.0" encoding="utf-8"?>
 <p:sldLayout xmlns:a="http://schemas.openxmlformats.org/drawingml/2006/main" xmlns:r="http://schemas.openxmlformats.org/officeDocument/2006/relationships" xmlns:p="http://schemas.openxmlformats.org/presentationml/2006/main" type="tx">
   <p:cSld name="Quote">
     <p:spTree>
@@ -1848,6 +1685,87 @@
       <p:sp>
         <p:nvSpPr>
           <p:cNvPr id="95" name="Slide Number"/>
+          <p:cNvSpPr txBox="1">
+            <a:spLocks noGrp="1"/>
+          </p:cNvSpPr>
+          <p:nvPr>
+            <p:ph type="sldNum" sz="quarter" idx="2"/>
+          </p:nvPr>
+        </p:nvSpPr>
+        <p:spPr>
+          <a:prstGeom prst="rect">
+            <a:avLst/>
+          </a:prstGeom>
+        </p:spPr>
+        <p:txBody>
+          <a:bodyPr/>
+          <a:lstStyle/>
+          <a:p>
+            <a:fld id="{86CB4B4D-7CA3-9044-876B-883B54F8677D}" type="slidenum">
+              <a:t>‹#›</a:t>
+            </a:fld>
+            <a:endParaRPr/>
+          </a:p>
+        </p:txBody>
+      </p:sp>
+    </p:spTree>
+  </p:cSld>
+  <p:clrMapOvr>
+    <a:masterClrMapping/>
+  </p:clrMapOvr>
+  <p:transition spd="med"/>
+</p:sldLayout>
+</file>
+
+<file path=ppt/slideLayouts/slideLayout9.xml><?xml version="1.0" encoding="utf-8"?>
+<p:sldLayout xmlns:a="http://schemas.openxmlformats.org/drawingml/2006/main" xmlns:r="http://schemas.openxmlformats.org/officeDocument/2006/relationships" xmlns:p="http://schemas.openxmlformats.org/presentationml/2006/main" type="tx">
+  <p:cSld name="Photo">
+    <p:spTree>
+      <p:nvGrpSpPr>
+        <p:cNvPr id="1" name=""/>
+        <p:cNvGrpSpPr/>
+        <p:nvPr/>
+      </p:nvGrpSpPr>
+      <p:grpSpPr>
+        <a:xfrm>
+          <a:off x="0" y="0"/>
+          <a:ext cx="0" cy="0"/>
+          <a:chOff x="0" y="0"/>
+          <a:chExt cx="0" cy="0"/>
+        </a:xfrm>
+      </p:grpSpPr>
+      <p:sp>
+        <p:nvSpPr>
+          <p:cNvPr id="102" name="Image"/>
+          <p:cNvSpPr>
+            <a:spLocks noGrp="1"/>
+          </p:cNvSpPr>
+          <p:nvPr>
+            <p:ph type="pic" idx="13"/>
+          </p:nvPr>
+        </p:nvSpPr>
+        <p:spPr>
+          <a:xfrm>
+            <a:off x="-812800" y="0"/>
+            <a:ext cx="15232066" cy="10160000"/>
+          </a:xfrm>
+          <a:prstGeom prst="rect">
+            <a:avLst/>
+          </a:prstGeom>
+        </p:spPr>
+        <p:txBody>
+          <a:bodyPr lIns="91439" tIns="45719" rIns="91439" bIns="45719" anchor="t">
+            <a:noAutofit/>
+          </a:bodyPr>
+          <a:lstStyle/>
+          <a:p>
+            <a:endParaRPr/>
+          </a:p>
+        </p:txBody>
+      </p:sp>
+      <p:sp>
+        <p:nvSpPr>
+          <p:cNvPr id="103" name="Slide Number"/>
           <p:cNvSpPr txBox="1">
             <a:spLocks noGrp="1"/>
           </p:cNvSpPr>
@@ -2051,16 +1969,15 @@
   <p:clrMap bg1="lt1" tx1="dk1" bg2="lt2" tx2="dk2" accent1="accent1" accent2="accent2" accent3="accent3" accent4="accent4" accent5="accent5" accent6="accent6" hlink="hlink" folHlink="folHlink"/>
   <p:sldLayoutIdLst>
     <p:sldLayoutId id="2147483649" r:id="rId1"/>
-    <p:sldLayoutId id="2147483651" r:id="rId2"/>
-    <p:sldLayoutId id="2147483652" r:id="rId3"/>
-    <p:sldLayoutId id="2147483653" r:id="rId4"/>
-    <p:sldLayoutId id="2147483654" r:id="rId5"/>
-    <p:sldLayoutId id="2147483655" r:id="rId6"/>
-    <p:sldLayoutId id="2147483656" r:id="rId7"/>
-    <p:sldLayoutId id="2147483657" r:id="rId8"/>
-    <p:sldLayoutId id="2147483658" r:id="rId9"/>
-    <p:sldLayoutId id="2147483659" r:id="rId10"/>
-    <p:sldLayoutId id="2147483660" r:id="rId11"/>
+    <p:sldLayoutId id="2147483652" r:id="rId2"/>
+    <p:sldLayoutId id="2147483653" r:id="rId3"/>
+    <p:sldLayoutId id="2147483654" r:id="rId4"/>
+    <p:sldLayoutId id="2147483655" r:id="rId5"/>
+    <p:sldLayoutId id="2147483656" r:id="rId6"/>
+    <p:sldLayoutId id="2147483657" r:id="rId7"/>
+    <p:sldLayoutId id="2147483658" r:id="rId8"/>
+    <p:sldLayoutId id="2147483659" r:id="rId9"/>
+    <p:sldLayoutId id="2147483660" r:id="rId10"/>
   </p:sldLayoutIdLst>
   <p:transition spd="med"/>
   <p:txStyles>
@@ -5221,37 +5138,6 @@
 </p:sld>
 </file>
 
-<file path=ppt/slides/slide9.xml><?xml version="1.0" encoding="utf-8"?>
-<p:sld xmlns:a="http://schemas.openxmlformats.org/drawingml/2006/main" xmlns:r="http://schemas.openxmlformats.org/officeDocument/2006/relationships" xmlns:p="http://schemas.openxmlformats.org/presentationml/2006/main">
-  <p:cSld>
-    <p:spTree>
-      <p:nvGrpSpPr>
-        <p:cNvPr id="1" name=""/>
-        <p:cNvGrpSpPr/>
-        <p:nvPr/>
-      </p:nvGrpSpPr>
-      <p:grpSpPr>
-        <a:xfrm>
-          <a:off x="0" y="0"/>
-          <a:ext cx="0" cy="0"/>
-          <a:chOff x="0" y="0"/>
-          <a:chExt cx="0" cy="0"/>
-        </a:xfrm>
-      </p:grpSpPr>
-    </p:spTree>
-    <p:extLst>
-      <p:ext uri="{BB962C8B-B14F-4D97-AF65-F5344CB8AC3E}">
-        <p14:creationId xmlns:p14="http://schemas.microsoft.com/office/powerpoint/2010/main" val="1699874256"/>
-      </p:ext>
-    </p:extLst>
-  </p:cSld>
-  <p:clrMapOvr>
-    <a:masterClrMapping/>
-  </p:clrMapOvr>
-  <p:transition spd="med"/>
-</p:sld>
-</file>
-
 <file path=ppt/theme/theme1.xml><?xml version="1.0" encoding="utf-8"?>
 <a:theme xmlns:a="http://schemas.openxmlformats.org/drawingml/2006/main" name="White">
   <a:themeElements>

--- a/experiment/misc/instruction_visuals.pptx
+++ b/experiment/misc/instruction_visuals.pptx
@@ -5,17 +5,18 @@
     <p:sldMasterId id="2147483648" r:id="rId1"/>
   </p:sldMasterIdLst>
   <p:notesMasterIdLst>
-    <p:notesMasterId r:id="rId10"/>
+    <p:notesMasterId r:id="rId11"/>
   </p:notesMasterIdLst>
   <p:sldIdLst>
     <p:sldId id="256" r:id="rId2"/>
     <p:sldId id="306" r:id="rId3"/>
     <p:sldId id="307" r:id="rId4"/>
     <p:sldId id="310" r:id="rId5"/>
-    <p:sldId id="308" r:id="rId6"/>
-    <p:sldId id="312" r:id="rId7"/>
-    <p:sldId id="311" r:id="rId8"/>
-    <p:sldId id="313" r:id="rId9"/>
+    <p:sldId id="314" r:id="rId6"/>
+    <p:sldId id="308" r:id="rId7"/>
+    <p:sldId id="312" r:id="rId8"/>
+    <p:sldId id="311" r:id="rId9"/>
+    <p:sldId id="313" r:id="rId10"/>
   </p:sldIdLst>
   <p:sldSz cx="13004800" cy="9753600"/>
   <p:notesSz cx="6858000" cy="9144000"/>
@@ -1846,7 +1847,7 @@
           </a:ln>
           <a:extLst>
             <a:ext uri="{C572A759-6A51-4108-AA02-DFA0A04FC94B}">
-              <ma14:wrappingTextBoxFlag xmlns:ma14="http://schemas.microsoft.com/office/mac/drawingml/2011/main" xmlns:a14="http://schemas.microsoft.com/office/drawing/2010/main" xmlns:m="http://schemas.openxmlformats.org/officeDocument/2006/math" xmlns="" val="1"/>
+              <ma14:wrappingTextBoxFlag xmlns="" xmlns:m="http://schemas.openxmlformats.org/officeDocument/2006/math" xmlns:a14="http://schemas.microsoft.com/office/drawing/2010/main" xmlns:ma14="http://schemas.microsoft.com/office/mac/drawingml/2011/main" val="1"/>
             </a:ext>
           </a:extLst>
         </p:spPr>
@@ -1885,7 +1886,7 @@
           </a:ln>
           <a:extLst>
             <a:ext uri="{C572A759-6A51-4108-AA02-DFA0A04FC94B}">
-              <ma14:wrappingTextBoxFlag xmlns:ma14="http://schemas.microsoft.com/office/mac/drawingml/2011/main" xmlns:a14="http://schemas.microsoft.com/office/drawing/2010/main" xmlns:m="http://schemas.openxmlformats.org/officeDocument/2006/math" xmlns="" val="1"/>
+              <ma14:wrappingTextBoxFlag xmlns="" xmlns:m="http://schemas.openxmlformats.org/officeDocument/2006/math" xmlns:a14="http://schemas.microsoft.com/office/drawing/2010/main" xmlns:ma14="http://schemas.microsoft.com/office/mac/drawingml/2011/main" val="1"/>
             </a:ext>
           </a:extLst>
         </p:spPr>
@@ -2729,7 +2730,7 @@
           </a:ln>
           <a:extLst>
             <a:ext uri="{C572A759-6A51-4108-AA02-DFA0A04FC94B}">
-              <ma14:wrappingTextBoxFlag xmlns:ma14="http://schemas.microsoft.com/office/mac/drawingml/2011/main" xmlns:a14="http://schemas.microsoft.com/office/drawing/2010/main" xmlns:m="http://schemas.openxmlformats.org/officeDocument/2006/math" xmlns="" val="1"/>
+              <ma14:wrappingTextBoxFlag xmlns="" xmlns:m="http://schemas.openxmlformats.org/officeDocument/2006/math" xmlns:a14="http://schemas.microsoft.com/office/drawing/2010/main" xmlns:ma14="http://schemas.microsoft.com/office/mac/drawingml/2011/main" val="1"/>
             </a:ext>
           </a:extLst>
         </p:spPr>
@@ -3092,7 +3093,7 @@
           </a:ln>
           <a:extLst>
             <a:ext uri="{C572A759-6A51-4108-AA02-DFA0A04FC94B}">
-              <ma14:wrappingTextBoxFlag xmlns:ma14="http://schemas.microsoft.com/office/mac/drawingml/2011/main" xmlns:a14="http://schemas.microsoft.com/office/drawing/2010/main" xmlns:m="http://schemas.openxmlformats.org/officeDocument/2006/math" xmlns="" val="1"/>
+              <ma14:wrappingTextBoxFlag xmlns="" xmlns:m="http://schemas.openxmlformats.org/officeDocument/2006/math" xmlns:a14="http://schemas.microsoft.com/office/drawing/2010/main" xmlns:ma14="http://schemas.microsoft.com/office/mac/drawingml/2011/main" val="1"/>
             </a:ext>
           </a:extLst>
         </p:spPr>
@@ -3382,7 +3383,7 @@
           </a:ln>
           <a:extLst>
             <a:ext uri="{C572A759-6A51-4108-AA02-DFA0A04FC94B}">
-              <ma14:wrappingTextBoxFlag xmlns:ma14="http://schemas.microsoft.com/office/mac/drawingml/2011/main" xmlns:a14="http://schemas.microsoft.com/office/drawing/2010/main" xmlns:m="http://schemas.openxmlformats.org/officeDocument/2006/math" xmlns="" val="1"/>
+              <ma14:wrappingTextBoxFlag xmlns="" xmlns:m="http://schemas.openxmlformats.org/officeDocument/2006/math" xmlns:a14="http://schemas.microsoft.com/office/drawing/2010/main" xmlns:ma14="http://schemas.microsoft.com/office/mac/drawingml/2011/main" val="1"/>
             </a:ext>
           </a:extLst>
         </p:spPr>
@@ -3652,7 +3653,7 @@
           </a:ln>
           <a:extLst>
             <a:ext uri="{C572A759-6A51-4108-AA02-DFA0A04FC94B}">
-              <ma14:wrappingTextBoxFlag xmlns:ma14="http://schemas.microsoft.com/office/mac/drawingml/2011/main" xmlns:a14="http://schemas.microsoft.com/office/drawing/2010/main" xmlns:m="http://schemas.openxmlformats.org/officeDocument/2006/math" xmlns="" val="1"/>
+              <ma14:wrappingTextBoxFlag xmlns="" xmlns:m="http://schemas.openxmlformats.org/officeDocument/2006/math" xmlns:a14="http://schemas.microsoft.com/office/drawing/2010/main" xmlns:ma14="http://schemas.microsoft.com/office/mac/drawingml/2011/main" val="1"/>
             </a:ext>
           </a:extLst>
         </p:spPr>
@@ -3901,7 +3902,7 @@
               <a:rPr lang="zh-CN" altLang="en-US" dirty="0"/>
               <a:t> </a:t>
             </a:r>
-            <a:endParaRPr dirty="0"/>
+            <a:endParaRPr lang="en-US" altLang="zh-CN" dirty="0"/>
           </a:p>
         </p:txBody>
       </p:sp>
@@ -4111,6 +4112,395 @@
         </p:nvSpPr>
         <p:spPr>
           <a:xfrm>
+            <a:off x="1149860" y="819841"/>
+            <a:ext cx="10705079" cy="1087477"/>
+          </a:xfrm>
+          <a:prstGeom prst="rect">
+            <a:avLst/>
+          </a:prstGeom>
+          <a:ln w="12700">
+            <a:miter lim="400000"/>
+          </a:ln>
+          <a:extLst>
+            <a:ext uri="{C572A759-6A51-4108-AA02-DFA0A04FC94B}">
+              <ma14:wrappingTextBoxFlag xmlns="" xmlns:m="http://schemas.openxmlformats.org/officeDocument/2006/math" xmlns:a14="http://schemas.microsoft.com/office/drawing/2010/main" xmlns:ma14="http://schemas.microsoft.com/office/mac/drawingml/2011/main" val="1"/>
+            </a:ext>
+          </a:extLst>
+        </p:spPr>
+        <p:txBody>
+          <a:bodyPr lIns="50800" tIns="50800" rIns="50800" bIns="50800" anchor="ctr">
+            <a:spAutoFit/>
+          </a:bodyPr>
+          <a:lstStyle/>
+          <a:p>
+            <a:pPr>
+              <a:defRPr sz="3200"/>
+            </a:pPr>
+            <a:r>
+              <a:rPr lang="en-US" altLang="zh-CN" dirty="0"/>
+              <a:t>Like</a:t>
+            </a:r>
+            <a:r>
+              <a:rPr lang="zh-CN" altLang="en-US" dirty="0"/>
+              <a:t> </a:t>
+            </a:r>
+            <a:r>
+              <a:rPr lang="en-US" altLang="zh-CN" dirty="0"/>
+              <a:t>other</a:t>
+            </a:r>
+            <a:r>
+              <a:rPr lang="zh-CN" altLang="en-US" dirty="0"/>
+              <a:t> </a:t>
+            </a:r>
+            <a:r>
+              <a:rPr lang="en-US" altLang="zh-CN" dirty="0"/>
+              <a:t>non-target</a:t>
+            </a:r>
+            <a:r>
+              <a:rPr lang="zh-CN" altLang="en-US" dirty="0"/>
+              <a:t> </a:t>
+            </a:r>
+            <a:r>
+              <a:rPr lang="en-US" altLang="zh-CN" dirty="0"/>
+              <a:t>pictures,</a:t>
+            </a:r>
+            <a:r>
+              <a:rPr lang="zh-CN" altLang="en-US" dirty="0"/>
+              <a:t> </a:t>
+            </a:r>
+            <a:r>
+              <a:rPr lang="en-US" altLang="zh-CN" dirty="0"/>
+              <a:t>you</a:t>
+            </a:r>
+            <a:r>
+              <a:rPr lang="zh-CN" altLang="en-US" dirty="0"/>
+              <a:t> </a:t>
+            </a:r>
+            <a:r>
+              <a:rPr lang="en-US" altLang="zh-CN" dirty="0"/>
+              <a:t>need</a:t>
+            </a:r>
+            <a:r>
+              <a:rPr lang="zh-CN" altLang="en-US" dirty="0"/>
+              <a:t> </a:t>
+            </a:r>
+            <a:r>
+              <a:rPr lang="en-US" altLang="zh-CN" dirty="0"/>
+              <a:t>to</a:t>
+            </a:r>
+            <a:r>
+              <a:rPr lang="zh-CN" altLang="en-US" dirty="0"/>
+              <a:t> </a:t>
+            </a:r>
+            <a:r>
+              <a:rPr lang="en-US" altLang="zh-CN" dirty="0"/>
+              <a:t>press</a:t>
+            </a:r>
+            <a:r>
+              <a:rPr lang="zh-CN" altLang="en-US" dirty="0"/>
+              <a:t> </a:t>
+            </a:r>
+            <a:r>
+              <a:rPr lang="en-US" altLang="zh-CN" dirty="0"/>
+              <a:t>the</a:t>
+            </a:r>
+            <a:r>
+              <a:rPr lang="zh-CN" altLang="en-US" dirty="0"/>
+              <a:t> </a:t>
+            </a:r>
+            <a:r>
+              <a:rPr lang="en-US" altLang="zh-CN" b="1" dirty="0"/>
+              <a:t>“down”</a:t>
+            </a:r>
+            <a:r>
+              <a:rPr lang="zh-CN" altLang="en-US" b="1" dirty="0"/>
+              <a:t> </a:t>
+            </a:r>
+            <a:r>
+              <a:rPr lang="en-US" altLang="zh-CN" dirty="0"/>
+              <a:t>arrow</a:t>
+            </a:r>
+            <a:r>
+              <a:rPr lang="zh-CN" altLang="en-US" dirty="0"/>
+              <a:t> </a:t>
+            </a:r>
+            <a:r>
+              <a:rPr lang="en-US" altLang="zh-CN" dirty="0"/>
+              <a:t>on</a:t>
+            </a:r>
+            <a:r>
+              <a:rPr lang="zh-CN" altLang="en-US" dirty="0"/>
+              <a:t> </a:t>
+            </a:r>
+            <a:r>
+              <a:rPr lang="en-US" altLang="zh-CN" dirty="0"/>
+              <a:t>your</a:t>
+            </a:r>
+            <a:r>
+              <a:rPr lang="zh-CN" altLang="en-US" dirty="0"/>
+              <a:t> </a:t>
+            </a:r>
+            <a:r>
+              <a:rPr lang="en-US" altLang="zh-CN" dirty="0"/>
+              <a:t>keyboard</a:t>
+            </a:r>
+            <a:r>
+              <a:rPr lang="zh-CN" altLang="en-US" dirty="0"/>
+              <a:t> </a:t>
+            </a:r>
+            <a:r>
+              <a:rPr lang="en-US" altLang="zh-CN" dirty="0"/>
+              <a:t>to</a:t>
+            </a:r>
+            <a:r>
+              <a:rPr lang="zh-CN" altLang="en-US" dirty="0"/>
+              <a:t> </a:t>
+            </a:r>
+            <a:r>
+              <a:rPr lang="en-US" altLang="zh-CN" dirty="0"/>
+              <a:t>go</a:t>
+            </a:r>
+            <a:r>
+              <a:rPr lang="zh-CN" altLang="en-US" dirty="0"/>
+              <a:t> </a:t>
+            </a:r>
+            <a:r>
+              <a:rPr lang="en-US" altLang="zh-CN" dirty="0"/>
+              <a:t>to</a:t>
+            </a:r>
+            <a:r>
+              <a:rPr lang="zh-CN" altLang="en-US" dirty="0"/>
+              <a:t> </a:t>
+            </a:r>
+            <a:r>
+              <a:rPr lang="en-US" altLang="zh-CN" dirty="0"/>
+              <a:t>the</a:t>
+            </a:r>
+            <a:r>
+              <a:rPr lang="zh-CN" altLang="en-US" dirty="0"/>
+              <a:t> </a:t>
+            </a:r>
+            <a:r>
+              <a:rPr lang="en-US" altLang="zh-CN" dirty="0"/>
+              <a:t>next</a:t>
+            </a:r>
+            <a:r>
+              <a:rPr lang="zh-CN" altLang="en-US" dirty="0"/>
+              <a:t> </a:t>
+            </a:r>
+            <a:r>
+              <a:rPr lang="en-US" altLang="zh-CN" dirty="0"/>
+              <a:t>one.</a:t>
+            </a:r>
+          </a:p>
+        </p:txBody>
+      </p:sp>
+      <p:cxnSp>
+        <p:nvCxnSpPr>
+          <p:cNvPr id="3" name="Straight Arrow Connector 2">
+            <a:extLst>
+              <a:ext uri="{FF2B5EF4-FFF2-40B4-BE49-F238E27FC236}">
+                <a16:creationId xmlns:a16="http://schemas.microsoft.com/office/drawing/2014/main" id="{0D285C26-EBEE-244B-9F0B-87A95D0864C1}"/>
+              </a:ext>
+            </a:extLst>
+          </p:cNvPr>
+          <p:cNvCxnSpPr/>
+          <p:nvPr/>
+        </p:nvCxnSpPr>
+        <p:spPr>
+          <a:xfrm>
+            <a:off x="5739064" y="5767137"/>
+            <a:ext cx="1070810" cy="0"/>
+          </a:xfrm>
+          <a:prstGeom prst="straightConnector1">
+            <a:avLst/>
+          </a:prstGeom>
+          <a:ln w="76200">
+            <a:tailEnd type="triangle"/>
+          </a:ln>
+          <a:effectLst/>
+        </p:spPr>
+        <p:style>
+          <a:lnRef idx="3">
+            <a:schemeClr val="dk1"/>
+          </a:lnRef>
+          <a:fillRef idx="0">
+            <a:schemeClr val="dk1"/>
+          </a:fillRef>
+          <a:effectRef idx="2">
+            <a:schemeClr val="dk1"/>
+          </a:effectRef>
+          <a:fontRef idx="minor">
+            <a:schemeClr val="tx1"/>
+          </a:fontRef>
+        </p:style>
+      </p:cxnSp>
+      <p:sp>
+        <p:nvSpPr>
+          <p:cNvPr id="4" name="Rectangle 3">
+            <a:extLst>
+              <a:ext uri="{FF2B5EF4-FFF2-40B4-BE49-F238E27FC236}">
+                <a16:creationId xmlns:a16="http://schemas.microsoft.com/office/drawing/2014/main" id="{32BBEAD4-D53B-014D-98FC-003F69B46044}"/>
+              </a:ext>
+            </a:extLst>
+          </p:cNvPr>
+          <p:cNvSpPr/>
+          <p:nvPr/>
+        </p:nvSpPr>
+        <p:spPr>
+          <a:xfrm>
+            <a:off x="1149860" y="3872163"/>
+            <a:ext cx="3785615" cy="3789947"/>
+          </a:xfrm>
+          <a:prstGeom prst="rect">
+            <a:avLst/>
+          </a:prstGeom>
+          <a:noFill/>
+          <a:ln w="76200">
+            <a:solidFill>
+              <a:srgbClr val="FF0000"/>
+            </a:solidFill>
+          </a:ln>
+        </p:spPr>
+        <p:style>
+          <a:lnRef idx="2">
+            <a:schemeClr val="dk1"/>
+          </a:lnRef>
+          <a:fillRef idx="1">
+            <a:schemeClr val="lt1"/>
+          </a:fillRef>
+          <a:effectRef idx="0">
+            <a:schemeClr val="dk1"/>
+          </a:effectRef>
+          <a:fontRef idx="minor">
+            <a:schemeClr val="dk1"/>
+          </a:fontRef>
+        </p:style>
+        <p:txBody>
+          <a:bodyPr rot="0" spcFirstLastPara="1" vertOverflow="overflow" horzOverflow="overflow" vert="horz" wrap="square" lIns="50800" tIns="50800" rIns="50800" bIns="50800" numCol="1" spcCol="38100" rtlCol="0" anchor="ctr">
+            <a:spAutoFit/>
+          </a:bodyPr>
+          <a:lstStyle/>
+          <a:p>
+            <a:pPr marL="0" marR="0" indent="0" algn="ctr" defTabSz="584200" rtl="0" fontAlgn="auto" latinLnBrk="0" hangingPunct="0">
+              <a:lnSpc>
+                <a:spcPct val="100000"/>
+              </a:lnSpc>
+              <a:spcBef>
+                <a:spcPts val="0"/>
+              </a:spcBef>
+              <a:spcAft>
+                <a:spcPts val="0"/>
+              </a:spcAft>
+              <a:buClrTx/>
+              <a:buSzTx/>
+              <a:buFontTx/>
+              <a:buNone/>
+              <a:tabLst/>
+            </a:pPr>
+            <a:endParaRPr kumimoji="0" lang="en-US" sz="2400" b="0" i="0" u="none" strike="noStrike" cap="none" spc="0" normalizeH="0" baseline="0">
+              <a:ln>
+                <a:noFill/>
+              </a:ln>
+              <a:solidFill>
+                <a:srgbClr val="FFFFFF"/>
+              </a:solidFill>
+              <a:effectLst/>
+              <a:uFillTx/>
+              <a:latin typeface="+mn-lt"/>
+              <a:ea typeface="+mn-ea"/>
+              <a:cs typeface="+mn-cs"/>
+              <a:sym typeface="Helvetica Light"/>
+            </a:endParaRPr>
+          </a:p>
+        </p:txBody>
+      </p:sp>
+      <p:pic>
+        <p:nvPicPr>
+          <p:cNvPr id="6" name="Picture 2" descr="Keyboard Key, Key, Down, Arrow, Keyboard, interface icon">
+            <a:extLst>
+              <a:ext uri="{FF2B5EF4-FFF2-40B4-BE49-F238E27FC236}">
+                <a16:creationId xmlns:a16="http://schemas.microsoft.com/office/drawing/2014/main" id="{CA92EA20-CCEC-7E46-A2B7-4F4E08556E72}"/>
+              </a:ext>
+            </a:extLst>
+          </p:cNvPr>
+          <p:cNvPicPr>
+            <a:picLocks noChangeAspect="1" noChangeArrowheads="1"/>
+          </p:cNvPicPr>
+          <p:nvPr/>
+        </p:nvPicPr>
+        <p:blipFill>
+          <a:blip r:embed="rId2">
+            <a:extLst>
+              <a:ext uri="{28A0092B-C50C-407E-A947-70E740481C1C}">
+                <a14:useLocalDpi xmlns:a14="http://schemas.microsoft.com/office/drawing/2010/main" val="0"/>
+              </a:ext>
+            </a:extLst>
+          </a:blip>
+          <a:srcRect/>
+          <a:stretch>
+            <a:fillRect/>
+          </a:stretch>
+        </p:blipFill>
+        <p:spPr bwMode="auto">
+          <a:xfrm>
+            <a:off x="7613463" y="3670300"/>
+            <a:ext cx="4193672" cy="4193672"/>
+          </a:xfrm>
+          <a:prstGeom prst="rect">
+            <a:avLst/>
+          </a:prstGeom>
+          <a:noFill/>
+          <a:extLst>
+            <a:ext uri="{909E8E84-426E-40DD-AFC4-6F175D3DCCD1}">
+              <a14:hiddenFill xmlns:a14="http://schemas.microsoft.com/office/drawing/2010/main">
+                <a:solidFill>
+                  <a:srgbClr val="FFFFFF"/>
+                </a:solidFill>
+              </a14:hiddenFill>
+            </a:ext>
+          </a:extLst>
+        </p:spPr>
+      </p:pic>
+    </p:spTree>
+    <p:extLst>
+      <p:ext uri="{BB962C8B-B14F-4D97-AF65-F5344CB8AC3E}">
+        <p14:creationId xmlns:p14="http://schemas.microsoft.com/office/powerpoint/2010/main" val="1683605974"/>
+      </p:ext>
+    </p:extLst>
+  </p:cSld>
+  <p:clrMapOvr>
+    <a:masterClrMapping/>
+  </p:clrMapOvr>
+  <p:transition spd="med"/>
+</p:sld>
+</file>
+
+<file path=ppt/slides/slide6.xml><?xml version="1.0" encoding="utf-8"?>
+<p:sld xmlns:a="http://schemas.openxmlformats.org/drawingml/2006/main" xmlns:r="http://schemas.openxmlformats.org/officeDocument/2006/relationships" xmlns:p="http://schemas.openxmlformats.org/presentationml/2006/main">
+  <p:cSld>
+    <p:spTree>
+      <p:nvGrpSpPr>
+        <p:cNvPr id="1" name=""/>
+        <p:cNvGrpSpPr/>
+        <p:nvPr/>
+      </p:nvGrpSpPr>
+      <p:grpSpPr>
+        <a:xfrm>
+          <a:off x="0" y="0"/>
+          <a:ext cx="0" cy="0"/>
+          <a:chOff x="0" y="0"/>
+          <a:chExt cx="0" cy="0"/>
+        </a:xfrm>
+      </p:grpSpPr>
+      <p:sp>
+        <p:nvSpPr>
+          <p:cNvPr id="119" name="Now, we are now going to play the Big Circle game.…"/>
+          <p:cNvSpPr txBox="1"/>
+          <p:nvPr/>
+        </p:nvSpPr>
+        <p:spPr>
+          <a:xfrm>
             <a:off x="1149860" y="3840619"/>
             <a:ext cx="10705079" cy="2072362"/>
           </a:xfrm>
@@ -4122,7 +4512,7 @@
           </a:ln>
           <a:extLst>
             <a:ext uri="{C572A759-6A51-4108-AA02-DFA0A04FC94B}">
-              <ma14:wrappingTextBoxFlag xmlns:ma14="http://schemas.microsoft.com/office/mac/drawingml/2011/main" xmlns:a14="http://schemas.microsoft.com/office/drawing/2010/main" xmlns:m="http://schemas.openxmlformats.org/officeDocument/2006/math" xmlns="" val="1"/>
+              <ma14:wrappingTextBoxFlag xmlns="" xmlns:m="http://schemas.openxmlformats.org/officeDocument/2006/math" xmlns:a14="http://schemas.microsoft.com/office/drawing/2010/main" xmlns:ma14="http://schemas.microsoft.com/office/mac/drawingml/2011/main" val="1"/>
             </a:ext>
           </a:extLst>
         </p:spPr>
@@ -4469,7 +4859,7 @@
 </p:sld>
 </file>
 
-<file path=ppt/slides/slide6.xml><?xml version="1.0" encoding="utf-8"?>
+<file path=ppt/slides/slide7.xml><?xml version="1.0" encoding="utf-8"?>
 <p:sld xmlns:a="http://schemas.openxmlformats.org/drawingml/2006/main" xmlns:r="http://schemas.openxmlformats.org/officeDocument/2006/relationships" xmlns:p="http://schemas.openxmlformats.org/presentationml/2006/main">
   <p:cSld>
     <p:spTree>
@@ -4505,7 +4895,7 @@
           </a:ln>
           <a:extLst>
             <a:ext uri="{C572A759-6A51-4108-AA02-DFA0A04FC94B}">
-              <ma14:wrappingTextBoxFlag xmlns:ma14="http://schemas.microsoft.com/office/mac/drawingml/2011/main" xmlns:a14="http://schemas.microsoft.com/office/drawing/2010/main" xmlns:m="http://schemas.openxmlformats.org/officeDocument/2006/math" xmlns="" val="1"/>
+              <ma14:wrappingTextBoxFlag xmlns="" xmlns:m="http://schemas.openxmlformats.org/officeDocument/2006/math" xmlns:a14="http://schemas.microsoft.com/office/drawing/2010/main" xmlns:ma14="http://schemas.microsoft.com/office/mac/drawingml/2011/main" val="1"/>
             </a:ext>
           </a:extLst>
         </p:spPr>
@@ -4619,7 +5009,7 @@
 </p:sld>
 </file>
 
-<file path=ppt/slides/slide7.xml><?xml version="1.0" encoding="utf-8"?>
+<file path=ppt/slides/slide8.xml><?xml version="1.0" encoding="utf-8"?>
 <p:sld xmlns:a="http://schemas.openxmlformats.org/drawingml/2006/main" xmlns:r="http://schemas.openxmlformats.org/officeDocument/2006/relationships" xmlns:p="http://schemas.openxmlformats.org/presentationml/2006/main">
   <p:cSld>
     <p:spTree>
@@ -4655,7 +5045,7 @@
           </a:ln>
           <a:extLst>
             <a:ext uri="{C572A759-6A51-4108-AA02-DFA0A04FC94B}">
-              <ma14:wrappingTextBoxFlag xmlns:ma14="http://schemas.microsoft.com/office/mac/drawingml/2011/main" xmlns:a14="http://schemas.microsoft.com/office/drawing/2010/main" xmlns:m="http://schemas.openxmlformats.org/officeDocument/2006/math" xmlns="" val="1"/>
+              <ma14:wrappingTextBoxFlag xmlns="" xmlns:m="http://schemas.openxmlformats.org/officeDocument/2006/math" xmlns:a14="http://schemas.microsoft.com/office/drawing/2010/main" xmlns:ma14="http://schemas.microsoft.com/office/mac/drawingml/2011/main" val="1"/>
             </a:ext>
           </a:extLst>
         </p:spPr>
@@ -4951,7 +5341,7 @@
 </p:sld>
 </file>
 
-<file path=ppt/slides/slide8.xml><?xml version="1.0" encoding="utf-8"?>
+<file path=ppt/slides/slide9.xml><?xml version="1.0" encoding="utf-8"?>
 <p:sld xmlns:a="http://schemas.openxmlformats.org/drawingml/2006/main" xmlns:r="http://schemas.openxmlformats.org/officeDocument/2006/relationships" xmlns:p="http://schemas.openxmlformats.org/presentationml/2006/main">
   <p:cSld>
     <p:spTree>
@@ -4987,7 +5377,7 @@
           </a:ln>
           <a:extLst>
             <a:ext uri="{C572A759-6A51-4108-AA02-DFA0A04FC94B}">
-              <ma14:wrappingTextBoxFlag xmlns:ma14="http://schemas.microsoft.com/office/mac/drawingml/2011/main" xmlns:a14="http://schemas.microsoft.com/office/drawing/2010/main" xmlns:m="http://schemas.openxmlformats.org/officeDocument/2006/math" xmlns="" val="1"/>
+              <ma14:wrappingTextBoxFlag xmlns="" xmlns:m="http://schemas.openxmlformats.org/officeDocument/2006/math" xmlns:a14="http://schemas.microsoft.com/office/drawing/2010/main" xmlns:ma14="http://schemas.microsoft.com/office/mac/drawingml/2011/main" val="1"/>
             </a:ext>
           </a:extLst>
         </p:spPr>
